--- a/Day5/GenAI Course-Day5.pptx
+++ b/Day5/GenAI Course-Day5.pptx
@@ -290,7 +290,7 @@
             <a:fld id="{89422B9B-649C-48E0-9CF0-737B1ACCBF29}" type="datetimeFigureOut">
               <a:rPr lang="en-US" smtClean="0"/>
               <a:pPr/>
-              <a:t>11/26/2024</a:t>
+              <a:t>11/27/2024</a:t>
             </a:fld>
             <a:endParaRPr lang="en-US"/>
           </a:p>
@@ -490,7 +490,7 @@
             <a:fld id="{89422B9B-649C-48E0-9CF0-737B1ACCBF29}" type="datetimeFigureOut">
               <a:rPr lang="en-US" smtClean="0"/>
               <a:pPr/>
-              <a:t>11/26/2024</a:t>
+              <a:t>11/27/2024</a:t>
             </a:fld>
             <a:endParaRPr lang="en-US"/>
           </a:p>
@@ -700,7 +700,7 @@
             <a:fld id="{89422B9B-649C-48E0-9CF0-737B1ACCBF29}" type="datetimeFigureOut">
               <a:rPr lang="en-US" smtClean="0"/>
               <a:pPr/>
-              <a:t>11/26/2024</a:t>
+              <a:t>11/27/2024</a:t>
             </a:fld>
             <a:endParaRPr lang="en-US"/>
           </a:p>
@@ -900,7 +900,7 @@
             <a:fld id="{89422B9B-649C-48E0-9CF0-737B1ACCBF29}" type="datetimeFigureOut">
               <a:rPr lang="en-US" smtClean="0"/>
               <a:pPr/>
-              <a:t>11/26/2024</a:t>
+              <a:t>11/27/2024</a:t>
             </a:fld>
             <a:endParaRPr lang="en-US"/>
           </a:p>
@@ -1177,7 +1177,7 @@
             <a:fld id="{89422B9B-649C-48E0-9CF0-737B1ACCBF29}" type="datetimeFigureOut">
               <a:rPr lang="en-US" smtClean="0"/>
               <a:pPr/>
-              <a:t>11/26/2024</a:t>
+              <a:t>11/27/2024</a:t>
             </a:fld>
             <a:endParaRPr lang="en-US"/>
           </a:p>
@@ -1444,7 +1444,7 @@
             <a:fld id="{89422B9B-649C-48E0-9CF0-737B1ACCBF29}" type="datetimeFigureOut">
               <a:rPr lang="en-US" smtClean="0"/>
               <a:pPr/>
-              <a:t>11/26/2024</a:t>
+              <a:t>11/27/2024</a:t>
             </a:fld>
             <a:endParaRPr lang="en-US"/>
           </a:p>
@@ -1858,7 +1858,7 @@
             <a:fld id="{89422B9B-649C-48E0-9CF0-737B1ACCBF29}" type="datetimeFigureOut">
               <a:rPr lang="en-US" smtClean="0"/>
               <a:pPr/>
-              <a:t>11/26/2024</a:t>
+              <a:t>11/27/2024</a:t>
             </a:fld>
             <a:endParaRPr lang="en-US"/>
           </a:p>
@@ -2001,7 +2001,7 @@
             <a:fld id="{89422B9B-649C-48E0-9CF0-737B1ACCBF29}" type="datetimeFigureOut">
               <a:rPr lang="en-US" smtClean="0"/>
               <a:pPr/>
-              <a:t>11/26/2024</a:t>
+              <a:t>11/27/2024</a:t>
             </a:fld>
             <a:endParaRPr lang="en-US"/>
           </a:p>
@@ -2116,7 +2116,7 @@
             <a:fld id="{89422B9B-649C-48E0-9CF0-737B1ACCBF29}" type="datetimeFigureOut">
               <a:rPr lang="en-US" smtClean="0"/>
               <a:pPr/>
-              <a:t>11/26/2024</a:t>
+              <a:t>11/27/2024</a:t>
             </a:fld>
             <a:endParaRPr lang="en-US"/>
           </a:p>
@@ -2429,7 +2429,7 @@
             <a:fld id="{89422B9B-649C-48E0-9CF0-737B1ACCBF29}" type="datetimeFigureOut">
               <a:rPr lang="en-US" smtClean="0"/>
               <a:pPr/>
-              <a:t>11/26/2024</a:t>
+              <a:t>11/27/2024</a:t>
             </a:fld>
             <a:endParaRPr lang="en-US"/>
           </a:p>
@@ -2719,7 +2719,7 @@
             <a:fld id="{89422B9B-649C-48E0-9CF0-737B1ACCBF29}" type="datetimeFigureOut">
               <a:rPr lang="en-US" smtClean="0"/>
               <a:pPr/>
-              <a:t>11/26/2024</a:t>
+              <a:t>11/27/2024</a:t>
             </a:fld>
             <a:endParaRPr lang="en-US"/>
           </a:p>
@@ -2962,7 +2962,7 @@
             <a:fld id="{89422B9B-649C-48E0-9CF0-737B1ACCBF29}" type="datetimeFigureOut">
               <a:rPr lang="en-US" smtClean="0"/>
               <a:pPr/>
-              <a:t>11/26/2024</a:t>
+              <a:t>11/27/2024</a:t>
             </a:fld>
             <a:endParaRPr lang="en-US"/>
           </a:p>
@@ -3855,7 +3855,7 @@
         </p:spPr>
         <p:txBody>
           <a:bodyPr>
-            <a:normAutofit/>
+            <a:normAutofit lnSpcReduction="10000"/>
           </a:bodyPr>
           <a:lstStyle/>
           <a:p>
@@ -3899,7 +3899,75 @@
                 <a:ea typeface="+mn-ea"/>
                 <a:cs typeface="+mn-cs"/>
               </a:rPr>
-              <a:t>Exception handling is a critical aspect of programming in Python, allowing developers to manage errors gracefully and maintain the flow of execution even when unexpected events occur. </a:t>
+              <a:t>Exception handling is a </a:t>
+            </a:r>
+            <a:r>
+              <a:rPr kumimoji="0" lang="en-US" sz="2800" b="1" i="0" u="none" strike="noStrike" kern="1200" cap="none" spc="0" normalizeH="0" baseline="0" noProof="0" dirty="0">
+                <a:ln>
+                  <a:noFill/>
+                </a:ln>
+                <a:solidFill>
+                  <a:prstClr val="black"/>
+                </a:solidFill>
+                <a:effectLst/>
+                <a:uLnTx/>
+                <a:uFillTx/>
+                <a:latin typeface="Calibri"/>
+                <a:ea typeface="+mn-ea"/>
+                <a:cs typeface="+mn-cs"/>
+              </a:rPr>
+              <a:t>critical aspect of programming in Python</a:t>
+            </a:r>
+            <a:r>
+              <a:rPr kumimoji="0" lang="en-US" sz="2800" b="0" i="0" u="none" strike="noStrike" kern="1200" cap="none" spc="0" normalizeH="0" baseline="0" noProof="0" dirty="0">
+                <a:ln>
+                  <a:noFill/>
+                </a:ln>
+                <a:solidFill>
+                  <a:prstClr val="black"/>
+                </a:solidFill>
+                <a:effectLst/>
+                <a:uLnTx/>
+                <a:uFillTx/>
+                <a:latin typeface="Calibri"/>
+                <a:ea typeface="+mn-ea"/>
+                <a:cs typeface="+mn-cs"/>
+              </a:rPr>
+              <a:t>, allowing developers </a:t>
+            </a:r>
+            <a:r>
+              <a:rPr kumimoji="0" lang="en-US" sz="2800" b="1" i="0" u="none" strike="noStrike" kern="1200" cap="none" spc="0" normalizeH="0" baseline="0" noProof="0" dirty="0">
+                <a:ln>
+                  <a:noFill/>
+                </a:ln>
+                <a:solidFill>
+                  <a:prstClr val="black"/>
+                </a:solidFill>
+                <a:effectLst/>
+                <a:uLnTx/>
+                <a:uFillTx/>
+                <a:latin typeface="Calibri"/>
+                <a:ea typeface="+mn-ea"/>
+                <a:cs typeface="+mn-cs"/>
+              </a:rPr>
+              <a:t>to manage errors gracefully and maintain the flow of execution even when unexpected events occur</a:t>
+            </a:r>
+            <a:r>
+              <a:rPr kumimoji="0" lang="en-US" sz="2800" b="0" i="0" u="none" strike="noStrike" kern="1200" cap="none" spc="0" normalizeH="0" baseline="0" noProof="0" dirty="0">
+                <a:ln>
+                  <a:noFill/>
+                </a:ln>
+                <a:solidFill>
+                  <a:prstClr val="black"/>
+                </a:solidFill>
+                <a:effectLst/>
+                <a:uLnTx/>
+                <a:uFillTx/>
+                <a:latin typeface="Calibri"/>
+                <a:ea typeface="+mn-ea"/>
+                <a:cs typeface="+mn-cs"/>
+              </a:rPr>
+              <a:t>. </a:t>
             </a:r>
           </a:p>
           <a:p>
@@ -3921,7 +3989,24 @@
                 <a:ea typeface="+mn-ea"/>
                 <a:cs typeface="+mn-cs"/>
               </a:rPr>
-              <a:t>When an error occurs, Python raises an exception object that contains information about the error, such as its type &amp; where it occurred in the code</a:t>
+              <a:t>When an error occurs, </a:t>
+            </a:r>
+            <a:r>
+              <a:rPr kumimoji="0" lang="en-US" sz="2800" b="1" i="0" u="none" strike="noStrike" kern="1200" cap="none" spc="0" normalizeH="0" baseline="0" noProof="0" dirty="0">
+                <a:ln>
+                  <a:noFill/>
+                </a:ln>
+                <a:solidFill>
+                  <a:prstClr val="black"/>
+                </a:solidFill>
+                <a:effectLst/>
+                <a:uLnTx/>
+                <a:uFillTx/>
+                <a:latin typeface="Calibri"/>
+                <a:ea typeface="+mn-ea"/>
+                <a:cs typeface="+mn-cs"/>
+              </a:rPr>
+              <a:t>Python raises an exception object that contains information about the error, such as its type &amp; where it occurred in the code.</a:t>
             </a:r>
           </a:p>
           <a:p>
@@ -4167,21 +4252,38 @@
               <a:defRPr/>
             </a:pPr>
             <a:r>
-              <a:rPr kumimoji="0" lang="en-US" sz="2800" b="0" i="0" u="none" strike="noStrike" kern="1200" cap="none" spc="0" normalizeH="0" baseline="0" noProof="0" dirty="0">
-                <a:ln>
-                  <a:noFill/>
-                </a:ln>
-                <a:solidFill>
-                  <a:prstClr val="black"/>
-                </a:solidFill>
-                <a:effectLst/>
-                <a:uLnTx/>
-                <a:uFillTx/>
-                <a:latin typeface="Calibri"/>
-                <a:ea typeface="+mn-ea"/>
-                <a:cs typeface="+mn-cs"/>
-              </a:rPr>
-              <a:t>Syntax Errors: These are detected at compile time and occur due to incorrect syntax.</a:t>
+              <a:rPr kumimoji="0" lang="en-US" sz="2800" b="1" i="0" u="none" strike="noStrike" kern="1200" cap="none" spc="0" normalizeH="0" baseline="0" noProof="0" dirty="0">
+                <a:ln>
+                  <a:noFill/>
+                </a:ln>
+                <a:solidFill>
+                  <a:prstClr val="black"/>
+                </a:solidFill>
+                <a:effectLst/>
+                <a:uLnTx/>
+                <a:uFillTx/>
+                <a:latin typeface="Calibri"/>
+                <a:ea typeface="+mn-ea"/>
+                <a:cs typeface="+mn-cs"/>
+              </a:rPr>
+              <a:t>Syntax Errors</a:t>
+            </a:r>
+            <a:r>
+              <a:rPr kumimoji="0" lang="en-US" sz="2800" b="0" i="0" u="none" strike="noStrike" kern="1200" cap="none" spc="0" normalizeH="0" baseline="0" noProof="0" dirty="0">
+                <a:ln>
+                  <a:noFill/>
+                </a:ln>
+                <a:solidFill>
+                  <a:prstClr val="black"/>
+                </a:solidFill>
+                <a:effectLst/>
+                <a:uLnTx/>
+                <a:uFillTx/>
+                <a:latin typeface="Calibri"/>
+                <a:ea typeface="+mn-ea"/>
+                <a:cs typeface="+mn-cs"/>
+              </a:rPr>
+              <a:t>: These are detected at compile time and occur due to incorrect syntax.</a:t>
             </a:r>
           </a:p>
           <a:p>
@@ -4189,21 +4291,38 @@
               <a:defRPr/>
             </a:pPr>
             <a:r>
-              <a:rPr kumimoji="0" lang="en-US" sz="2800" b="0" i="0" u="none" strike="noStrike" kern="1200" cap="none" spc="0" normalizeH="0" baseline="0" noProof="0" dirty="0">
-                <a:ln>
-                  <a:noFill/>
-                </a:ln>
-                <a:solidFill>
-                  <a:prstClr val="black"/>
-                </a:solidFill>
-                <a:effectLst/>
-                <a:uLnTx/>
-                <a:uFillTx/>
-                <a:latin typeface="Calibri"/>
-                <a:ea typeface="+mn-ea"/>
-                <a:cs typeface="+mn-cs"/>
-              </a:rPr>
-              <a:t>Exceptions: These occur during runtime when the program encounters an unexpected situation (e.g., division by zero, file not found).</a:t>
+              <a:rPr kumimoji="0" lang="en-US" sz="2800" b="1" i="0" u="none" strike="noStrike" kern="1200" cap="none" spc="0" normalizeH="0" baseline="0" noProof="0" dirty="0">
+                <a:ln>
+                  <a:noFill/>
+                </a:ln>
+                <a:solidFill>
+                  <a:prstClr val="black"/>
+                </a:solidFill>
+                <a:effectLst/>
+                <a:uLnTx/>
+                <a:uFillTx/>
+                <a:latin typeface="Calibri"/>
+                <a:ea typeface="+mn-ea"/>
+                <a:cs typeface="+mn-cs"/>
+              </a:rPr>
+              <a:t>Exceptions</a:t>
+            </a:r>
+            <a:r>
+              <a:rPr kumimoji="0" lang="en-US" sz="2800" b="0" i="0" u="none" strike="noStrike" kern="1200" cap="none" spc="0" normalizeH="0" baseline="0" noProof="0" dirty="0">
+                <a:ln>
+                  <a:noFill/>
+                </a:ln>
+                <a:solidFill>
+                  <a:prstClr val="black"/>
+                </a:solidFill>
+                <a:effectLst/>
+                <a:uLnTx/>
+                <a:uFillTx/>
+                <a:latin typeface="Calibri"/>
+                <a:ea typeface="+mn-ea"/>
+                <a:cs typeface="+mn-cs"/>
+              </a:rPr>
+              <a:t>: These occur during runtime when the program encounters an unexpected situation (e.g., division by zero, file not found).</a:t>
             </a:r>
           </a:p>
           <a:p>
@@ -4363,7 +4482,41 @@
                 <a:ea typeface="+mn-ea"/>
                 <a:cs typeface="+mn-cs"/>
               </a:rPr>
-              <a:t>The fundamental structure for handling exceptions in Python is the try-except block:</a:t>
+              <a:t>The fundamental structure for handling exceptions in Python is the </a:t>
+            </a:r>
+            <a:r>
+              <a:rPr kumimoji="0" lang="en-US" sz="2800" i="0" u="none" strike="noStrike" kern="1200" cap="none" spc="0" normalizeH="0" baseline="0" noProof="0" dirty="0">
+                <a:ln>
+                  <a:noFill/>
+                </a:ln>
+                <a:solidFill>
+                  <a:prstClr val="black"/>
+                </a:solidFill>
+                <a:effectLst/>
+                <a:uLnTx/>
+                <a:uFillTx/>
+                <a:latin typeface="Calibri"/>
+                <a:ea typeface="+mn-ea"/>
+                <a:cs typeface="+mn-cs"/>
+              </a:rPr>
+              <a:t>try-except block</a:t>
+            </a:r>
+            <a:r>
+              <a:rPr kumimoji="0" lang="en-US" sz="2800" b="0" i="0" u="none" strike="noStrike" kern="1200" cap="none" spc="0" normalizeH="0" baseline="0" noProof="0" dirty="0">
+                <a:ln>
+                  <a:noFill/>
+                </a:ln>
+                <a:solidFill>
+                  <a:prstClr val="black"/>
+                </a:solidFill>
+                <a:effectLst/>
+                <a:uLnTx/>
+                <a:uFillTx/>
+                <a:latin typeface="Calibri"/>
+                <a:ea typeface="+mn-ea"/>
+                <a:cs typeface="+mn-cs"/>
+              </a:rPr>
+              <a:t>:</a:t>
             </a:r>
           </a:p>
           <a:p>
@@ -4385,7 +4538,41 @@
                 <a:ea typeface="+mn-ea"/>
                 <a:cs typeface="+mn-cs"/>
               </a:rPr>
-              <a:t>The try block contains code that might raise an exception, while the except block handles the exception if one occurs</a:t>
+              <a:t>The </a:t>
+            </a:r>
+            <a:r>
+              <a:rPr kumimoji="0" lang="en-US" sz="2800" b="1" i="0" u="none" strike="noStrike" kern="1200" cap="none" spc="0" normalizeH="0" baseline="0" noProof="0" dirty="0">
+                <a:ln>
+                  <a:noFill/>
+                </a:ln>
+                <a:solidFill>
+                  <a:prstClr val="black"/>
+                </a:solidFill>
+                <a:effectLst/>
+                <a:uLnTx/>
+                <a:uFillTx/>
+                <a:latin typeface="Calibri"/>
+                <a:ea typeface="+mn-ea"/>
+                <a:cs typeface="+mn-cs"/>
+              </a:rPr>
+              <a:t>try block contains code that might raise an exception</a:t>
+            </a:r>
+            <a:r>
+              <a:rPr kumimoji="0" lang="en-US" sz="2800" b="0" i="0" u="none" strike="noStrike" kern="1200" cap="none" spc="0" normalizeH="0" baseline="0" noProof="0" dirty="0">
+                <a:ln>
+                  <a:noFill/>
+                </a:ln>
+                <a:solidFill>
+                  <a:prstClr val="black"/>
+                </a:solidFill>
+                <a:effectLst/>
+                <a:uLnTx/>
+                <a:uFillTx/>
+                <a:latin typeface="Calibri"/>
+                <a:ea typeface="+mn-ea"/>
+                <a:cs typeface="+mn-cs"/>
+              </a:rPr>
+              <a:t>, while the except block handles the exception if one occurs</a:t>
             </a:r>
           </a:p>
           <a:p>
@@ -4724,7 +4911,41 @@
                 <a:ea typeface="+mn-ea"/>
                 <a:cs typeface="+mn-cs"/>
               </a:rPr>
-              <a:t>Python allows developers to raise exceptions explicitly using the raise keyword. This is useful for enforcing constraints or signaling errors:</a:t>
+              <a:t>Python allows developers to raise exceptions explicitly using the </a:t>
+            </a:r>
+            <a:r>
+              <a:rPr kumimoji="0" lang="en-US" sz="2800" b="1" i="0" u="none" strike="noStrike" kern="1200" cap="none" spc="0" normalizeH="0" baseline="0" noProof="0" dirty="0">
+                <a:ln>
+                  <a:noFill/>
+                </a:ln>
+                <a:solidFill>
+                  <a:prstClr val="black"/>
+                </a:solidFill>
+                <a:effectLst/>
+                <a:uLnTx/>
+                <a:uFillTx/>
+                <a:latin typeface="Calibri"/>
+                <a:ea typeface="+mn-ea"/>
+                <a:cs typeface="+mn-cs"/>
+              </a:rPr>
+              <a:t>raise</a:t>
+            </a:r>
+            <a:r>
+              <a:rPr kumimoji="0" lang="en-US" sz="2800" b="0" i="0" u="none" strike="noStrike" kern="1200" cap="none" spc="0" normalizeH="0" baseline="0" noProof="0" dirty="0">
+                <a:ln>
+                  <a:noFill/>
+                </a:ln>
+                <a:solidFill>
+                  <a:prstClr val="black"/>
+                </a:solidFill>
+                <a:effectLst/>
+                <a:uLnTx/>
+                <a:uFillTx/>
+                <a:latin typeface="Calibri"/>
+                <a:ea typeface="+mn-ea"/>
+                <a:cs typeface="+mn-cs"/>
+              </a:rPr>
+              <a:t> keyword. This is useful for enforcing constraints or signaling errors:</a:t>
             </a:r>
           </a:p>
           <a:p>
@@ -5548,7 +5769,41 @@
                 <a:ea typeface="+mn-ea"/>
                 <a:cs typeface="+mn-cs"/>
               </a:rPr>
-              <a:t>Finally Clause: Code within this block will execute regardless of whether an exception was raised or not. </a:t>
+              <a:t>Finally Clause: Code within this block will </a:t>
+            </a:r>
+            <a:r>
+              <a:rPr kumimoji="0" lang="en-US" sz="2800" b="1" i="0" u="none" strike="noStrike" kern="1200" cap="none" spc="0" normalizeH="0" baseline="0" noProof="0" dirty="0">
+                <a:ln>
+                  <a:noFill/>
+                </a:ln>
+                <a:solidFill>
+                  <a:prstClr val="black"/>
+                </a:solidFill>
+                <a:effectLst/>
+                <a:uLnTx/>
+                <a:uFillTx/>
+                <a:latin typeface="Calibri"/>
+                <a:ea typeface="+mn-ea"/>
+                <a:cs typeface="+mn-cs"/>
+              </a:rPr>
+              <a:t>execute regardless of whether an exception was raised or not</a:t>
+            </a:r>
+            <a:r>
+              <a:rPr kumimoji="0" lang="en-US" sz="2800" b="0" i="0" u="none" strike="noStrike" kern="1200" cap="none" spc="0" normalizeH="0" baseline="0" noProof="0" dirty="0">
+                <a:ln>
+                  <a:noFill/>
+                </a:ln>
+                <a:solidFill>
+                  <a:prstClr val="black"/>
+                </a:solidFill>
+                <a:effectLst/>
+                <a:uLnTx/>
+                <a:uFillTx/>
+                <a:latin typeface="Calibri"/>
+                <a:ea typeface="+mn-ea"/>
+                <a:cs typeface="+mn-cs"/>
+              </a:rPr>
+              <a:t>. </a:t>
             </a:r>
           </a:p>
           <a:p>
@@ -5909,7 +6164,41 @@
                 <a:ea typeface="+mn-ea"/>
                 <a:cs typeface="+mn-cs"/>
               </a:rPr>
-              <a:t>Else Clause: This block runs if no exceptions were raised in the try block. It must follow all except clauses.</a:t>
+              <a:t>Else Clause: This block runs if </a:t>
+            </a:r>
+            <a:r>
+              <a:rPr kumimoji="0" lang="en-US" sz="2800" b="1" i="0" u="none" strike="noStrike" kern="1200" cap="none" spc="0" normalizeH="0" baseline="0" noProof="0" dirty="0">
+                <a:ln>
+                  <a:noFill/>
+                </a:ln>
+                <a:solidFill>
+                  <a:prstClr val="black"/>
+                </a:solidFill>
+                <a:effectLst/>
+                <a:uLnTx/>
+                <a:uFillTx/>
+                <a:latin typeface="Calibri"/>
+                <a:ea typeface="+mn-ea"/>
+                <a:cs typeface="+mn-cs"/>
+              </a:rPr>
+              <a:t>no exceptions were raised in the try block</a:t>
+            </a:r>
+            <a:r>
+              <a:rPr kumimoji="0" lang="en-US" sz="2800" b="0" i="0" u="none" strike="noStrike" kern="1200" cap="none" spc="0" normalizeH="0" baseline="0" noProof="0" dirty="0">
+                <a:ln>
+                  <a:noFill/>
+                </a:ln>
+                <a:solidFill>
+                  <a:prstClr val="black"/>
+                </a:solidFill>
+                <a:effectLst/>
+                <a:uLnTx/>
+                <a:uFillTx/>
+                <a:latin typeface="Calibri"/>
+                <a:ea typeface="+mn-ea"/>
+                <a:cs typeface="+mn-cs"/>
+              </a:rPr>
+              <a:t>. It must follow all except clauses.</a:t>
             </a:r>
             <a:endParaRPr kumimoji="0" lang="en-IN" sz="2800" b="0" i="0" u="none" strike="noStrike" kern="1200" cap="none" spc="0" normalizeH="0" baseline="0" noProof="0" dirty="0">
               <a:ln>
@@ -6281,21 +6570,38 @@
               <a:defRPr/>
             </a:pPr>
             <a:r>
-              <a:rPr kumimoji="0" lang="en-US" sz="2800" b="0" i="0" u="none" strike="noStrike" kern="1200" cap="none" spc="0" normalizeH="0" baseline="0" noProof="0" dirty="0">
-                <a:ln>
-                  <a:noFill/>
-                </a:ln>
-                <a:solidFill>
-                  <a:prstClr val="black"/>
-                </a:solidFill>
-                <a:effectLst/>
-                <a:uLnTx/>
-                <a:uFillTx/>
-                <a:latin typeface="Calibri"/>
-                <a:ea typeface="+mn-ea"/>
-                <a:cs typeface="+mn-cs"/>
-              </a:rPr>
-              <a:t>Catch Specific Exceptions: Avoid using bare except: clauses as they can mask unexpected errors. Always specify which exceptions you want to catch.</a:t>
+              <a:rPr kumimoji="0" lang="en-US" sz="2800" b="1" i="0" u="none" strike="noStrike" kern="1200" cap="none" spc="0" normalizeH="0" baseline="0" noProof="0" dirty="0">
+                <a:ln>
+                  <a:noFill/>
+                </a:ln>
+                <a:solidFill>
+                  <a:prstClr val="black"/>
+                </a:solidFill>
+                <a:effectLst/>
+                <a:uLnTx/>
+                <a:uFillTx/>
+                <a:latin typeface="Calibri"/>
+                <a:ea typeface="+mn-ea"/>
+                <a:cs typeface="+mn-cs"/>
+              </a:rPr>
+              <a:t>Catch Specific Exceptions</a:t>
+            </a:r>
+            <a:r>
+              <a:rPr kumimoji="0" lang="en-US" sz="2800" b="0" i="0" u="none" strike="noStrike" kern="1200" cap="none" spc="0" normalizeH="0" baseline="0" noProof="0" dirty="0">
+                <a:ln>
+                  <a:noFill/>
+                </a:ln>
+                <a:solidFill>
+                  <a:prstClr val="black"/>
+                </a:solidFill>
+                <a:effectLst/>
+                <a:uLnTx/>
+                <a:uFillTx/>
+                <a:latin typeface="Calibri"/>
+                <a:ea typeface="+mn-ea"/>
+                <a:cs typeface="+mn-cs"/>
+              </a:rPr>
+              <a:t>: Avoid using bare except: clauses as they can mask unexpected errors. Always specify which exceptions you want to catch.</a:t>
             </a:r>
           </a:p>
           <a:p>
@@ -6303,21 +6609,72 @@
               <a:defRPr/>
             </a:pPr>
             <a:r>
-              <a:rPr kumimoji="0" lang="en-US" sz="2800" b="0" i="0" u="none" strike="noStrike" kern="1200" cap="none" spc="0" normalizeH="0" baseline="0" noProof="0" dirty="0">
-                <a:ln>
-                  <a:noFill/>
-                </a:ln>
-                <a:solidFill>
-                  <a:prstClr val="black"/>
-                </a:solidFill>
-                <a:effectLst/>
-                <a:uLnTx/>
-                <a:uFillTx/>
-                <a:latin typeface="Calibri"/>
-                <a:ea typeface="+mn-ea"/>
-                <a:cs typeface="+mn-cs"/>
-              </a:rPr>
-              <a:t>Keep Try Blocks Small: Limit the scope of your try blocks to only those statements that may raise exceptions. This makes debugging easier and improves readability.</a:t>
+              <a:rPr kumimoji="0" lang="en-US" sz="2800" b="1" i="0" u="none" strike="noStrike" kern="1200" cap="none" spc="0" normalizeH="0" baseline="0" noProof="0" dirty="0">
+                <a:ln>
+                  <a:noFill/>
+                </a:ln>
+                <a:solidFill>
+                  <a:prstClr val="black"/>
+                </a:solidFill>
+                <a:effectLst/>
+                <a:uLnTx/>
+                <a:uFillTx/>
+                <a:latin typeface="Calibri"/>
+                <a:ea typeface="+mn-ea"/>
+                <a:cs typeface="+mn-cs"/>
+              </a:rPr>
+              <a:t>Keep Try Blocks Small</a:t>
+            </a:r>
+            <a:r>
+              <a:rPr kumimoji="0" lang="en-US" sz="2800" b="0" i="0" u="none" strike="noStrike" kern="1200" cap="none" spc="0" normalizeH="0" baseline="0" noProof="0" dirty="0">
+                <a:ln>
+                  <a:noFill/>
+                </a:ln>
+                <a:solidFill>
+                  <a:prstClr val="black"/>
+                </a:solidFill>
+                <a:effectLst/>
+                <a:uLnTx/>
+                <a:uFillTx/>
+                <a:latin typeface="Calibri"/>
+                <a:ea typeface="+mn-ea"/>
+                <a:cs typeface="+mn-cs"/>
+              </a:rPr>
+              <a:t>: Limit the scope of your try blocks to only those statements that </a:t>
+            </a:r>
+            <a:r>
+              <a:rPr kumimoji="0" lang="en-US" sz="2800" b="1" i="0" u="none" strike="noStrike" kern="1200" cap="none" spc="0" normalizeH="0" baseline="0" noProof="0" dirty="0">
+                <a:ln>
+                  <a:noFill/>
+                </a:ln>
+                <a:solidFill>
+                  <a:prstClr val="black"/>
+                </a:solidFill>
+                <a:effectLst/>
+                <a:uLnTx/>
+                <a:uFillTx/>
+                <a:latin typeface="Calibri"/>
+                <a:ea typeface="+mn-ea"/>
+                <a:cs typeface="+mn-cs"/>
+              </a:rPr>
+              <a:t>may raise exceptions</a:t>
+            </a:r>
+            <a:r>
+              <a:rPr kumimoji="0" lang="en-US" sz="2800" b="0" i="0" u="none" strike="noStrike" kern="1200" cap="none" spc="0" normalizeH="0" baseline="0" noProof="0" dirty="0">
+                <a:ln>
+                  <a:noFill/>
+                </a:ln>
+                <a:solidFill>
+                  <a:prstClr val="black"/>
+                </a:solidFill>
+                <a:effectLst/>
+                <a:uLnTx/>
+                <a:uFillTx/>
+                <a:latin typeface="Calibri"/>
+                <a:ea typeface="+mn-ea"/>
+                <a:cs typeface="+mn-cs"/>
+              </a:rPr>
+              <a:t>. This makes debugging easier and improves readability.</a:t>
             </a:r>
           </a:p>
           <a:p>
@@ -6325,21 +6682,38 @@
               <a:defRPr/>
             </a:pPr>
             <a:r>
-              <a:rPr kumimoji="0" lang="en-US" sz="2800" b="0" i="0" u="none" strike="noStrike" kern="1200" cap="none" spc="0" normalizeH="0" baseline="0" noProof="0" dirty="0">
-                <a:ln>
-                  <a:noFill/>
-                </a:ln>
-                <a:solidFill>
-                  <a:prstClr val="black"/>
-                </a:solidFill>
-                <a:effectLst/>
-                <a:uLnTx/>
-                <a:uFillTx/>
-                <a:latin typeface="Calibri"/>
-                <a:ea typeface="+mn-ea"/>
-                <a:cs typeface="+mn-cs"/>
-              </a:rPr>
-              <a:t>Use Custom Exceptions: Define custom exception classes for application-specific error handling. This enhances clarity and control over error management.</a:t>
+              <a:rPr kumimoji="0" lang="en-US" sz="2800" b="1" i="0" u="none" strike="noStrike" kern="1200" cap="none" spc="0" normalizeH="0" baseline="0" noProof="0" dirty="0">
+                <a:ln>
+                  <a:noFill/>
+                </a:ln>
+                <a:solidFill>
+                  <a:prstClr val="black"/>
+                </a:solidFill>
+                <a:effectLst/>
+                <a:uLnTx/>
+                <a:uFillTx/>
+                <a:latin typeface="Calibri"/>
+                <a:ea typeface="+mn-ea"/>
+                <a:cs typeface="+mn-cs"/>
+              </a:rPr>
+              <a:t>Use Custom Exceptions</a:t>
+            </a:r>
+            <a:r>
+              <a:rPr kumimoji="0" lang="en-US" sz="2800" b="0" i="0" u="none" strike="noStrike" kern="1200" cap="none" spc="0" normalizeH="0" baseline="0" noProof="0" dirty="0">
+                <a:ln>
+                  <a:noFill/>
+                </a:ln>
+                <a:solidFill>
+                  <a:prstClr val="black"/>
+                </a:solidFill>
+                <a:effectLst/>
+                <a:uLnTx/>
+                <a:uFillTx/>
+                <a:latin typeface="Calibri"/>
+                <a:ea typeface="+mn-ea"/>
+                <a:cs typeface="+mn-cs"/>
+              </a:rPr>
+              <a:t>: Define custom exception classes for application-specific error handling. This enhances clarity and control over error management.</a:t>
             </a:r>
           </a:p>
           <a:p>
@@ -6347,21 +6721,38 @@
               <a:defRPr/>
             </a:pPr>
             <a:r>
-              <a:rPr kumimoji="0" lang="en-US" sz="2800" b="0" i="0" u="none" strike="noStrike" kern="1200" cap="none" spc="0" normalizeH="0" baseline="0" noProof="0" dirty="0">
-                <a:ln>
-                  <a:noFill/>
-                </a:ln>
-                <a:solidFill>
-                  <a:prstClr val="black"/>
-                </a:solidFill>
-                <a:effectLst/>
-                <a:uLnTx/>
-                <a:uFillTx/>
-                <a:latin typeface="Calibri"/>
-                <a:ea typeface="+mn-ea"/>
-                <a:cs typeface="+mn-cs"/>
-              </a:rPr>
-              <a:t>Avoid Overusing Try-Except: Do not wrap large sections of code in try-except blocks; instead, focus on specific operations that might fail.</a:t>
+              <a:rPr kumimoji="0" lang="en-US" sz="2800" b="1" i="0" u="none" strike="noStrike" kern="1200" cap="none" spc="0" normalizeH="0" baseline="0" noProof="0" dirty="0">
+                <a:ln>
+                  <a:noFill/>
+                </a:ln>
+                <a:solidFill>
+                  <a:prstClr val="black"/>
+                </a:solidFill>
+                <a:effectLst/>
+                <a:uLnTx/>
+                <a:uFillTx/>
+                <a:latin typeface="Calibri"/>
+                <a:ea typeface="+mn-ea"/>
+                <a:cs typeface="+mn-cs"/>
+              </a:rPr>
+              <a:t>Avoid Overusing Try-Except</a:t>
+            </a:r>
+            <a:r>
+              <a:rPr kumimoji="0" lang="en-US" sz="2800" b="0" i="0" u="none" strike="noStrike" kern="1200" cap="none" spc="0" normalizeH="0" baseline="0" noProof="0" dirty="0">
+                <a:ln>
+                  <a:noFill/>
+                </a:ln>
+                <a:solidFill>
+                  <a:prstClr val="black"/>
+                </a:solidFill>
+                <a:effectLst/>
+                <a:uLnTx/>
+                <a:uFillTx/>
+                <a:latin typeface="Calibri"/>
+                <a:ea typeface="+mn-ea"/>
+                <a:cs typeface="+mn-cs"/>
+              </a:rPr>
+              <a:t>: Do not wrap large sections of code in try-except blocks; instead, focus on specific operations that might fail.</a:t>
             </a:r>
           </a:p>
           <a:p>
@@ -6369,21 +6760,72 @@
               <a:defRPr/>
             </a:pPr>
             <a:r>
-              <a:rPr kumimoji="0" lang="en-US" sz="2800" b="0" i="0" u="none" strike="noStrike" kern="1200" cap="none" spc="0" normalizeH="0" baseline="0" noProof="0" dirty="0">
-                <a:ln>
-                  <a:noFill/>
-                </a:ln>
-                <a:solidFill>
-                  <a:prstClr val="black"/>
-                </a:solidFill>
-                <a:effectLst/>
-                <a:uLnTx/>
-                <a:uFillTx/>
-                <a:latin typeface="Calibri"/>
-                <a:ea typeface="+mn-ea"/>
-                <a:cs typeface="+mn-cs"/>
-              </a:rPr>
-              <a:t>Log Exceptions: Consider logging exceptions for debugging purposes rather than just printing them to standard output.</a:t>
+              <a:rPr kumimoji="0" lang="en-US" sz="2800" b="1" i="0" u="none" strike="noStrike" kern="1200" cap="none" spc="0" normalizeH="0" baseline="0" noProof="0" dirty="0">
+                <a:ln>
+                  <a:noFill/>
+                </a:ln>
+                <a:solidFill>
+                  <a:prstClr val="black"/>
+                </a:solidFill>
+                <a:effectLst/>
+                <a:uLnTx/>
+                <a:uFillTx/>
+                <a:latin typeface="Calibri"/>
+                <a:ea typeface="+mn-ea"/>
+                <a:cs typeface="+mn-cs"/>
+              </a:rPr>
+              <a:t>Log Exceptions</a:t>
+            </a:r>
+            <a:r>
+              <a:rPr kumimoji="0" lang="en-US" sz="2800" b="0" i="0" u="none" strike="noStrike" kern="1200" cap="none" spc="0" normalizeH="0" baseline="0" noProof="0" dirty="0">
+                <a:ln>
+                  <a:noFill/>
+                </a:ln>
+                <a:solidFill>
+                  <a:prstClr val="black"/>
+                </a:solidFill>
+                <a:effectLst/>
+                <a:uLnTx/>
+                <a:uFillTx/>
+                <a:latin typeface="Calibri"/>
+                <a:ea typeface="+mn-ea"/>
+                <a:cs typeface="+mn-cs"/>
+              </a:rPr>
+              <a:t>: Consider logging exceptions for </a:t>
+            </a:r>
+            <a:r>
+              <a:rPr kumimoji="0" lang="en-US" sz="2800" b="1" i="0" u="none" strike="noStrike" kern="1200" cap="none" spc="0" normalizeH="0" baseline="0" noProof="0" dirty="0">
+                <a:ln>
+                  <a:noFill/>
+                </a:ln>
+                <a:solidFill>
+                  <a:prstClr val="black"/>
+                </a:solidFill>
+                <a:effectLst/>
+                <a:uLnTx/>
+                <a:uFillTx/>
+                <a:latin typeface="Calibri"/>
+                <a:ea typeface="+mn-ea"/>
+                <a:cs typeface="+mn-cs"/>
+              </a:rPr>
+              <a:t>debugging purposes </a:t>
+            </a:r>
+            <a:r>
+              <a:rPr kumimoji="0" lang="en-US" sz="2800" b="0" i="0" u="none" strike="noStrike" kern="1200" cap="none" spc="0" normalizeH="0" baseline="0" noProof="0" dirty="0">
+                <a:ln>
+                  <a:noFill/>
+                </a:ln>
+                <a:solidFill>
+                  <a:prstClr val="black"/>
+                </a:solidFill>
+                <a:effectLst/>
+                <a:uLnTx/>
+                <a:uFillTx/>
+                <a:latin typeface="Calibri"/>
+                <a:ea typeface="+mn-ea"/>
+                <a:cs typeface="+mn-cs"/>
+              </a:rPr>
+              <a:t>rather than just printing them to standard output.</a:t>
             </a:r>
             <a:endParaRPr kumimoji="0" lang="en-IN" sz="2800" b="0" i="0" u="none" strike="noStrike" kern="1200" cap="none" spc="0" normalizeH="0" baseline="0" noProof="0" dirty="0">
               <a:ln>
@@ -6480,12 +6922,15 @@
           </a:bodyPr>
           <a:lstStyle/>
           <a:p>
-            <a:endParaRPr lang="en-US" sz="3000" dirty="0">
-              <a:solidFill>
-                <a:srgbClr val="000398"/>
-              </a:solidFill>
-              <a:latin typeface="Arial Black" pitchFamily="34" charset="0"/>
-            </a:endParaRPr>
+            <a:r>
+              <a:rPr lang="en-US" sz="3000" dirty="0">
+                <a:solidFill>
+                  <a:srgbClr val="000398"/>
+                </a:solidFill>
+                <a:latin typeface="Arial Black" pitchFamily="34" charset="0"/>
+              </a:rPr>
+              <a:t>Handson</a:t>
+            </a:r>
           </a:p>
         </p:txBody>
       </p:sp>
@@ -6714,12 +7159,15 @@
           </a:bodyPr>
           <a:lstStyle/>
           <a:p>
-            <a:endParaRPr lang="en-US" sz="3000" dirty="0">
-              <a:solidFill>
-                <a:srgbClr val="000398"/>
-              </a:solidFill>
-              <a:latin typeface="Arial Black" pitchFamily="34" charset="0"/>
-            </a:endParaRPr>
+            <a:r>
+              <a:rPr lang="en-US" sz="3000" dirty="0">
+                <a:solidFill>
+                  <a:srgbClr val="000398"/>
+                </a:solidFill>
+                <a:latin typeface="Arial Black" pitchFamily="34" charset="0"/>
+              </a:rPr>
+              <a:t>Case Study</a:t>
+            </a:r>
           </a:p>
         </p:txBody>
       </p:sp>
